--- a/GRAPE/GRAPE.pptx
+++ b/GRAPE/GRAPE.pptx
@@ -3221,15 +3221,7 @@
             </a:pPr>
             <a:r>
               <a:rPr lang="en-US" sz="3000" dirty="0" smtClean="0"/>
-              <a:t>GRAPE is a workflow management system for the </a:t>
-            </a:r>
-            <a:r>
-              <a:rPr lang="en-US" sz="3000" dirty="0" smtClean="0"/>
-              <a:t>organization, processing</a:t>
-            </a:r>
-            <a:r>
-              <a:rPr lang="en-US" sz="3000" dirty="0" smtClean="0"/>
-              <a:t>, analysis and visualization of RNA-</a:t>
+              <a:t>GRAPE is a workflow management system for the organization, processing, analysis and visualization of RNA-</a:t>
             </a:r>
             <a:r>
               <a:rPr lang="en-US" sz="3000" dirty="0" err="1" smtClean="0"/>
@@ -3446,15 +3438,7 @@
             </a:r>
             <a:r>
               <a:rPr lang="en-US" sz="3000" dirty="0" smtClean="0"/>
-              <a:t>ncreasing </a:t>
-            </a:r>
-            <a:r>
-              <a:rPr lang="en-US" sz="3000" dirty="0" smtClean="0"/>
-              <a:t>sequencing throughput from NGS </a:t>
-            </a:r>
-            <a:r>
-              <a:rPr lang="en-US" sz="3000" dirty="0" smtClean="0"/>
-              <a:t>technologies</a:t>
+              <a:t>ncreasing sequencing throughput from NGS technologies</a:t>
             </a:r>
           </a:p>
           <a:p>
@@ -3470,35 +3454,23 @@
             </a:pPr>
             <a:r>
               <a:rPr lang="en-US" sz="3000" dirty="0" smtClean="0"/>
-              <a:t>need </a:t>
+              <a:t>need for fast, accurate and easily automated bioinformatics tools capable of dealing </a:t>
             </a:r>
             <a:r>
               <a:rPr lang="en-US" sz="3000" dirty="0" smtClean="0"/>
-              <a:t>for fast, accurate and easily </a:t>
-            </a:r>
-            <a:r>
-              <a:rPr lang="en-US" sz="3000" dirty="0" smtClean="0"/>
-              <a:t>automated bioinformatics </a:t>
-            </a:r>
-            <a:r>
-              <a:rPr lang="en-US" sz="3000" dirty="0" smtClean="0"/>
-              <a:t>tools capable of dealing </a:t>
-            </a:r>
-            <a:r>
-              <a:rPr lang="en-US" sz="3000" dirty="0" smtClean="0"/>
-              <a:t>with the analysis of </a:t>
-            </a:r>
-            <a:r>
-              <a:rPr lang="en-US" sz="3000" dirty="0" smtClean="0"/>
-              <a:t>massive </a:t>
+              <a:t>with massive </a:t>
             </a:r>
             <a:r>
               <a:rPr lang="en-US" sz="3000" dirty="0" err="1" smtClean="0"/>
               <a:t>RNAseq</a:t>
             </a:r>
             <a:r>
-              <a:rPr lang="en-US" sz="3000" dirty="0" smtClean="0"/>
-              <a:t> data</a:t>
+              <a:rPr lang="en-US" sz="3000" smtClean="0"/>
+              <a:t> </a:t>
+            </a:r>
+            <a:r>
+              <a:rPr lang="en-US" sz="3000" smtClean="0"/>
+              <a:t>datasets</a:t>
             </a:r>
             <a:endParaRPr lang="en-US" sz="3000" dirty="0"/>
           </a:p>
@@ -3601,11 +3573,7 @@
             </a:pPr>
             <a:r>
               <a:rPr lang="en-US" sz="3000" dirty="0" smtClean="0"/>
-              <a:t>The development of a new version of GRAPE has been started in 2013 in order </a:t>
-            </a:r>
-            <a:r>
-              <a:rPr lang="en-US" sz="3000" dirty="0" smtClean="0"/>
-              <a:t>to:</a:t>
+              <a:t>The development of a new version of GRAPE has been started in 2013 in order to:</a:t>
             </a:r>
           </a:p>
           <a:p>
@@ -3716,11 +3684,7 @@
             </a:r>
             <a:r>
               <a:rPr lang="en-US" sz="4000" dirty="0" smtClean="0"/>
-              <a:t>: </a:t>
-            </a:r>
-            <a:r>
-              <a:rPr lang="en-US" sz="4000" dirty="0" smtClean="0"/>
-              <a:t>Main features</a:t>
+              <a:t>: Main features</a:t>
             </a:r>
             <a:endParaRPr lang="en-US" sz="4000" dirty="0"/>
           </a:p>
@@ -3899,15 +3863,7 @@
             </a:r>
             <a:r>
               <a:rPr lang="en-US" sz="2000" b="1" dirty="0" smtClean="0"/>
-              <a:t>      </a:t>
-            </a:r>
-            <a:r>
-              <a:rPr lang="en-US" sz="2000" b="1" dirty="0" smtClean="0"/>
-              <a:t>The </a:t>
-            </a:r>
-            <a:r>
-              <a:rPr lang="en-US" sz="2000" b="1" dirty="0" smtClean="0"/>
-              <a:t>GEM mapper: fast, accurate and versatile alignment by filtration</a:t>
+              <a:t>      The GEM mapper: fast, accurate and versatile alignment by filtration</a:t>
             </a:r>
           </a:p>
           <a:p>
@@ -3920,15 +3876,7 @@
             </a:r>
             <a:r>
               <a:rPr lang="en-US" sz="2000" dirty="0" smtClean="0"/>
-              <a:t>      </a:t>
-            </a:r>
-            <a:r>
-              <a:rPr lang="en-US" sz="2000" dirty="0" smtClean="0"/>
-              <a:t>Santiago </a:t>
-            </a:r>
-            <a:r>
-              <a:rPr lang="en-US" sz="2000" dirty="0" smtClean="0"/>
-              <a:t>Marco-Sola, Michael </a:t>
+              <a:t>      Santiago Marco-Sola, Michael </a:t>
             </a:r>
             <a:r>
               <a:rPr lang="en-US" sz="2000" dirty="0" err="1" smtClean="0"/>
@@ -3970,19 +3918,7 @@
             </a:r>
             <a:r>
               <a:rPr lang="en-US" sz="2000" dirty="0" smtClean="0"/>
-              <a:t>      </a:t>
-            </a:r>
-            <a:r>
-              <a:rPr lang="en-US" sz="2000" dirty="0" smtClean="0"/>
-              <a:t>Nature </a:t>
-            </a:r>
-            <a:r>
-              <a:rPr lang="en-US" sz="2000" dirty="0" smtClean="0"/>
-              <a:t>Methods 9, 1185–1188 (2012) doi:10.1038/nmeth.</a:t>
-            </a:r>
-            <a:r>
-              <a:rPr lang="en-US" sz="2000" dirty="0" smtClean="0"/>
-              <a:t>2221</a:t>
+              <a:t>      Nature Methods 9, 1185–1188 (2012) doi:10.1038/nmeth.2221</a:t>
             </a:r>
           </a:p>
           <a:p>
@@ -3995,11 +3931,7 @@
             </a:r>
             <a:r>
               <a:rPr lang="en-US" sz="2000" dirty="0" smtClean="0"/>
-              <a:t>      </a:t>
-            </a:r>
-            <a:r>
-              <a:rPr lang="en-US" sz="2000" dirty="0" smtClean="0"/>
-              <a:t>Published online 28 October 2012</a:t>
+              <a:t>      Published online 28 October 2012</a:t>
             </a:r>
           </a:p>
           <a:p>
@@ -4027,23 +3959,7 @@
                   <a:srgbClr val="558ED5"/>
                 </a:solidFill>
               </a:rPr>
-              <a:t>     </a:t>
-            </a:r>
-            <a:r>
-              <a:rPr lang="en-US" sz="2400" dirty="0" smtClean="0">
-                <a:solidFill>
-                  <a:srgbClr val="558ED5"/>
-                </a:solidFill>
-              </a:rPr>
-              <a:t>http</a:t>
-            </a:r>
-            <a:r>
-              <a:rPr lang="en-US" sz="2400" dirty="0" smtClean="0">
-                <a:solidFill>
-                  <a:srgbClr val="558ED5"/>
-                </a:solidFill>
-              </a:rPr>
-              <a:t>://</a:t>
+              <a:t>     http://</a:t>
             </a:r>
             <a:r>
               <a:rPr lang="en-US" sz="2400" dirty="0" err="1" smtClean="0">
@@ -4094,10 +4010,10 @@
                   </a:schemeClr>
                 </a:solidFill>
               </a:rPr>
-              <a:t>http</a:t>
-            </a:r>
-            <a:r>
-              <a:rPr lang="en-US" sz="2400" dirty="0" smtClean="0">
+              <a:t>http://</a:t>
+            </a:r>
+            <a:r>
+              <a:rPr lang="en-US" sz="2400" dirty="0" err="1" smtClean="0">
                 <a:solidFill>
                   <a:schemeClr val="tx2">
                     <a:lumMod val="60000"/>
@@ -4105,10 +4021,10 @@
                   </a:schemeClr>
                 </a:solidFill>
               </a:rPr>
-              <a:t>://</a:t>
-            </a:r>
-            <a:r>
-              <a:rPr lang="en-US" sz="2400" dirty="0" err="1" smtClean="0">
+              <a:t>sammeth.net</a:t>
+            </a:r>
+            <a:r>
+              <a:rPr lang="en-US" sz="2400" dirty="0" smtClean="0">
                 <a:solidFill>
                   <a:schemeClr val="tx2">
                     <a:lumMod val="60000"/>
@@ -4116,28 +4032,13 @@
                   </a:schemeClr>
                 </a:solidFill>
               </a:rPr>
-              <a:t>sammeth.net</a:t>
-            </a:r>
-            <a:r>
-              <a:rPr lang="en-US" sz="2400" dirty="0" smtClean="0">
-                <a:solidFill>
-                  <a:schemeClr val="tx2">
-                    <a:lumMod val="60000"/>
-                    <a:lumOff val="40000"/>
-                  </a:schemeClr>
-                </a:solidFill>
-              </a:rPr>
               <a:t>/confluence/display/FLUX/Home</a:t>
             </a:r>
           </a:p>
           <a:p>
             <a:r>
               <a:rPr lang="en-US" sz="3000" dirty="0" smtClean="0"/>
-              <a:t>IPSA: Integrative pipeline for splicing </a:t>
-            </a:r>
-            <a:r>
-              <a:rPr lang="en-US" sz="3000" dirty="0" smtClean="0"/>
-              <a:t>analyses</a:t>
+              <a:t>IPSA: Integrative pipeline for splicing analyses</a:t>
             </a:r>
           </a:p>
           <a:p>
@@ -4285,11 +4186,7 @@
             </a:r>
             <a:r>
               <a:rPr lang="en-US" sz="4000" dirty="0" smtClean="0"/>
-              <a:t>: </a:t>
-            </a:r>
-            <a:r>
-              <a:rPr lang="en-US" sz="4000" dirty="0" smtClean="0"/>
-              <a:t>Work in progress</a:t>
+              <a:t>: Work in progress</a:t>
             </a:r>
             <a:endParaRPr lang="en-US" sz="4000" dirty="0"/>
           </a:p>

--- a/GRAPE/GRAPE.pptx
+++ b/GRAPE/GRAPE.pptx
@@ -11,7 +11,6 @@
     <p:sldId id="260" r:id="rId5"/>
     <p:sldId id="259" r:id="rId6"/>
     <p:sldId id="261" r:id="rId7"/>
-    <p:sldId id="262" r:id="rId8"/>
   </p:sldIdLst>
   <p:sldSz cx="9144000" cy="6858000" type="screen4x3"/>
   <p:notesSz cx="6858000" cy="9144000"/>
@@ -3242,8 +3241,8 @@
         </p:nvSpPr>
         <p:spPr>
           <a:xfrm>
-            <a:off x="483843" y="3809804"/>
-            <a:ext cx="7923042" cy="2585323"/>
+            <a:off x="483843" y="3507444"/>
+            <a:ext cx="7923042" cy="3816429"/>
           </a:xfrm>
           <a:prstGeom prst="rect">
             <a:avLst/>
@@ -3309,9 +3308,62 @@
           </a:p>
           <a:p>
             <a:r>
+              <a:rPr lang="en-US" sz="2400" u="sng" dirty="0" smtClean="0"/>
+              <a:t>Bioinformatics</a:t>
+            </a:r>
+            <a:r>
               <a:rPr lang="en-US" sz="2400" dirty="0" smtClean="0"/>
-              <a:t>Bioinformatics (2013) 29 (5): 614-621 first published online January 17, 2013 doi:10.1093/bioinformatics/btt016</a:t>
-            </a:r>
+              <a:t> </a:t>
+            </a:r>
+            <a:r>
+              <a:rPr lang="en-US" sz="2400" dirty="0" smtClean="0"/>
+              <a:t>29 </a:t>
+            </a:r>
+            <a:r>
+              <a:rPr lang="en-US" sz="2400" dirty="0" smtClean="0"/>
+              <a:t>(5): 614-</a:t>
+            </a:r>
+            <a:r>
+              <a:rPr lang="en-US" sz="2400" dirty="0"/>
+              <a:t>621 (2013) </a:t>
+            </a:r>
+            <a:endParaRPr lang="en-US" sz="2400" dirty="0" smtClean="0"/>
+          </a:p>
+          <a:p>
+            <a:endParaRPr lang="en-US" sz="2400" dirty="0" smtClean="0"/>
+          </a:p>
+          <a:p>
+            <a:endParaRPr lang="en-US" sz="2400" dirty="0"/>
+          </a:p>
+          <a:p>
+            <a:pPr algn="ctr"/>
+            <a:r>
+              <a:rPr lang="en-US" sz="3200" dirty="0">
+                <a:solidFill>
+                  <a:srgbClr val="4F81BD"/>
+                </a:solidFill>
+              </a:rPr>
+              <a:t>http://</a:t>
+            </a:r>
+            <a:r>
+              <a:rPr lang="en-US" sz="3200" dirty="0" err="1">
+                <a:solidFill>
+                  <a:srgbClr val="4F81BD"/>
+                </a:solidFill>
+              </a:rPr>
+              <a:t>big.crg.cat</a:t>
+            </a:r>
+            <a:r>
+              <a:rPr lang="en-US" sz="3200" dirty="0">
+                <a:solidFill>
+                  <a:srgbClr val="4F81BD"/>
+                </a:solidFill>
+              </a:rPr>
+              <a:t>/services/grape</a:t>
+            </a:r>
+          </a:p>
+          <a:p>
+            <a:endParaRPr lang="en-US" sz="2400" dirty="0" smtClean="0"/>
           </a:p>
           <a:p>
             <a:endParaRPr lang="en-US" dirty="0"/>
@@ -3465,11 +3517,11 @@
               <a:t>RNAseq</a:t>
             </a:r>
             <a:r>
-              <a:rPr lang="en-US" sz="3000" smtClean="0"/>
+              <a:rPr lang="en-US" sz="3000" dirty="0" smtClean="0"/>
               <a:t> </a:t>
             </a:r>
             <a:r>
-              <a:rPr lang="en-US" sz="3000" smtClean="0"/>
+              <a:rPr lang="en-US" sz="3000" dirty="0" smtClean="0"/>
               <a:t>datasets</a:t>
             </a:r>
             <a:endParaRPr lang="en-US" sz="3000" dirty="0"/>
@@ -3544,10 +3596,18 @@
               <a:t>GRAPE </a:t>
             </a:r>
             <a:r>
-              <a:rPr lang="en-US" sz="4000" dirty="0" smtClean="0"/>
+              <a:rPr lang="en-US" sz="4000" dirty="0" smtClean="0">
+                <a:solidFill>
+                  <a:schemeClr val="accent1"/>
+                </a:solidFill>
+              </a:rPr>
               <a:t>2.0</a:t>
             </a:r>
-            <a:endParaRPr lang="en-US" sz="4000" dirty="0"/>
+            <a:endParaRPr lang="en-US" sz="4000" dirty="0">
+              <a:solidFill>
+                <a:schemeClr val="accent1"/>
+              </a:solidFill>
+            </a:endParaRPr>
           </a:p>
         </p:txBody>
       </p:sp>
@@ -3564,7 +3624,7 @@
         <p:spPr/>
         <p:txBody>
           <a:bodyPr>
-            <a:normAutofit lnSpcReduction="10000"/>
+            <a:normAutofit fontScale="92500" lnSpcReduction="10000"/>
           </a:bodyPr>
           <a:lstStyle/>
           <a:p>
@@ -3601,9 +3661,57 @@
           <a:p>
             <a:r>
               <a:rPr lang="en-US" sz="3000" dirty="0" smtClean="0"/>
-              <a:t>make the pipeline configuration and setup easier to the end-user</a:t>
-            </a:r>
+              <a:t>make the pipeline configuration and setup easier to the end-</a:t>
+            </a:r>
+            <a:r>
+              <a:rPr lang="en-US" sz="3000" dirty="0" smtClean="0"/>
+              <a:t>user</a:t>
+            </a:r>
+          </a:p>
+          <a:p>
             <a:endParaRPr lang="en-US" sz="3000" dirty="0"/>
+          </a:p>
+          <a:p>
+            <a:pPr marL="0" indent="0" algn="ctr">
+              <a:buNone/>
+            </a:pPr>
+            <a:r>
+              <a:rPr lang="en-US" sz="3500" dirty="0">
+                <a:solidFill>
+                  <a:schemeClr val="accent1"/>
+                </a:solidFill>
+              </a:rPr>
+              <a:t>http://</a:t>
+            </a:r>
+            <a:r>
+              <a:rPr lang="en-US" sz="3500" dirty="0" err="1">
+                <a:solidFill>
+                  <a:schemeClr val="accent1"/>
+                </a:solidFill>
+              </a:rPr>
+              <a:t>github.com</a:t>
+            </a:r>
+            <a:r>
+              <a:rPr lang="en-US" sz="3500" dirty="0">
+                <a:solidFill>
+                  <a:schemeClr val="accent1"/>
+                </a:solidFill>
+              </a:rPr>
+              <a:t>/grape-pipeline/</a:t>
+            </a:r>
+            <a:r>
+              <a:rPr lang="en-US" sz="3500" dirty="0" smtClean="0">
+                <a:solidFill>
+                  <a:schemeClr val="accent1"/>
+                </a:solidFill>
+              </a:rPr>
+              <a:t>grape</a:t>
+            </a:r>
+            <a:endParaRPr lang="en-US" sz="3500" dirty="0">
+              <a:solidFill>
+                <a:schemeClr val="accent1"/>
+              </a:solidFill>
+            </a:endParaRPr>
           </a:p>
         </p:txBody>
       </p:sp>
@@ -3656,7 +3764,7 @@
         </p:nvSpPr>
         <p:spPr>
           <a:xfrm>
-            <a:off x="471600" y="274638"/>
+            <a:off x="471600" y="289756"/>
             <a:ext cx="8229600" cy="1143000"/>
           </a:xfrm>
         </p:spPr>
@@ -3677,7 +3785,7 @@
             <a:r>
               <a:rPr lang="en-US" sz="4000" dirty="0" smtClean="0">
                 <a:solidFill>
-                  <a:srgbClr val="000000"/>
+                  <a:srgbClr val="4F81BD"/>
                 </a:solidFill>
               </a:rPr>
               <a:t>2.0</a:t>
@@ -3818,7 +3926,7 @@
             <a:r>
               <a:rPr lang="en-US" sz="4000" dirty="0" smtClean="0">
                 <a:solidFill>
-                  <a:srgbClr val="000000"/>
+                  <a:srgbClr val="4F81BD"/>
                 </a:solidFill>
               </a:rPr>
               <a:t>2.0</a:t>
@@ -3844,13 +3952,63 @@
         <p:spPr/>
         <p:txBody>
           <a:bodyPr>
-            <a:normAutofit fontScale="92500" lnSpcReduction="10000"/>
+            <a:normAutofit fontScale="85000" lnSpcReduction="20000"/>
           </a:bodyPr>
           <a:lstStyle/>
           <a:p>
             <a:r>
               <a:rPr lang="en-US" sz="3000" dirty="0" smtClean="0"/>
-              <a:t>The GEM mapper</a:t>
+              <a:t>The GEM </a:t>
+            </a:r>
+            <a:r>
+              <a:rPr lang="en-US" sz="3000" dirty="0" smtClean="0"/>
+              <a:t>mapper</a:t>
+            </a:r>
+            <a:endParaRPr lang="en-US" sz="2000" b="1" dirty="0" smtClean="0"/>
+          </a:p>
+          <a:p>
+            <a:pPr marL="0" indent="0">
+              <a:buNone/>
+            </a:pPr>
+            <a:r>
+              <a:rPr lang="en-US" sz="2000" dirty="0" smtClean="0"/>
+              <a:t>       </a:t>
+            </a:r>
+            <a:r>
+              <a:rPr lang="en-US" sz="2000" b="1" dirty="0" smtClean="0"/>
+              <a:t>Santiago Marco-Sola, Michael </a:t>
+            </a:r>
+            <a:r>
+              <a:rPr lang="en-US" sz="2000" b="1" dirty="0" err="1" smtClean="0"/>
+              <a:t>Sammeth</a:t>
+            </a:r>
+            <a:r>
+              <a:rPr lang="en-US" sz="2000" b="1" dirty="0" smtClean="0"/>
+              <a:t>, </a:t>
+            </a:r>
+            <a:r>
+              <a:rPr lang="en-US" sz="2000" b="1" dirty="0" err="1" smtClean="0"/>
+              <a:t>Roderic</a:t>
+            </a:r>
+            <a:r>
+              <a:rPr lang="en-US" sz="2000" b="1" dirty="0" smtClean="0"/>
+              <a:t> </a:t>
+            </a:r>
+            <a:r>
+              <a:rPr lang="en-US" sz="2000" b="1" dirty="0" err="1" smtClean="0"/>
+              <a:t>Guigó</a:t>
+            </a:r>
+            <a:r>
+              <a:rPr lang="en-US" sz="2000" b="1" dirty="0" smtClean="0"/>
+              <a:t> &amp; Paolo </a:t>
+            </a:r>
+            <a:r>
+              <a:rPr lang="en-US" sz="2000" b="1" dirty="0" err="1" smtClean="0"/>
+              <a:t>Ribeca</a:t>
+            </a:r>
+            <a:r>
+              <a:rPr lang="en-US" sz="2000" dirty="0" smtClean="0"/>
+              <a:t>. </a:t>
             </a:r>
           </a:p>
           <a:p>
@@ -3863,7 +4021,15 @@
             </a:r>
             <a:r>
               <a:rPr lang="en-US" sz="2000" b="1" dirty="0" smtClean="0"/>
-              <a:t>      The GEM mapper: fast, accurate and versatile alignment by filtration</a:t>
+              <a:t>     </a:t>
+            </a:r>
+            <a:r>
+              <a:rPr lang="en-US" sz="2000" dirty="0" smtClean="0"/>
+              <a:t> The </a:t>
+            </a:r>
+            <a:r>
+              <a:rPr lang="en-US" sz="2000" dirty="0"/>
+              <a:t>GEM mapper: fast, accurate and versatile alignment by filtration</a:t>
             </a:r>
           </a:p>
           <a:p>
@@ -3876,35 +4042,19 @@
             </a:r>
             <a:r>
               <a:rPr lang="en-US" sz="2000" dirty="0" smtClean="0"/>
-              <a:t>      Santiago Marco-Sola, Michael </a:t>
-            </a:r>
-            <a:r>
-              <a:rPr lang="en-US" sz="2000" dirty="0" err="1" smtClean="0"/>
-              <a:t>Sammeth</a:t>
+              <a:t>      </a:t>
+            </a:r>
+            <a:r>
+              <a:rPr lang="en-US" sz="2000" u="sng" dirty="0" smtClean="0"/>
+              <a:t>Nature </a:t>
+            </a:r>
+            <a:r>
+              <a:rPr lang="en-US" sz="2000" u="sng" dirty="0" smtClean="0"/>
+              <a:t>Methods </a:t>
             </a:r>
             <a:r>
               <a:rPr lang="en-US" sz="2000" dirty="0" smtClean="0"/>
-              <a:t>, </a:t>
-            </a:r>
-            <a:r>
-              <a:rPr lang="en-US" sz="2000" dirty="0" err="1" smtClean="0"/>
-              <a:t>Roderic</a:t>
-            </a:r>
-            <a:r>
-              <a:rPr lang="en-US" sz="2000" dirty="0" smtClean="0"/>
-              <a:t> </a:t>
-            </a:r>
-            <a:r>
-              <a:rPr lang="en-US" sz="2000" dirty="0" err="1" smtClean="0"/>
-              <a:t>Guigó</a:t>
-            </a:r>
-            <a:r>
-              <a:rPr lang="en-US" sz="2000" dirty="0" smtClean="0"/>
-              <a:t> &amp; Paolo </a:t>
-            </a:r>
-            <a:r>
-              <a:rPr lang="en-US" sz="2000" dirty="0" err="1" smtClean="0"/>
-              <a:t>Ribeca</a:t>
+              <a:t>9, 1185–1188 (2012) </a:t>
             </a:r>
             <a:endParaRPr lang="en-US" sz="2000" dirty="0" smtClean="0"/>
           </a:p>
@@ -3912,46 +4062,30 @@
             <a:pPr marL="0" indent="0">
               <a:buNone/>
             </a:pPr>
-            <a:r>
-              <a:rPr lang="en-US" sz="2000" dirty="0"/>
-              <a:t> </a:t>
-            </a:r>
-            <a:r>
-              <a:rPr lang="en-US" sz="2000" dirty="0" smtClean="0"/>
-              <a:t>      Nature Methods 9, 1185–1188 (2012) doi:10.1038/nmeth.2221</a:t>
-            </a:r>
-          </a:p>
-          <a:p>
-            <a:pPr marL="0" indent="0">
-              <a:buNone/>
-            </a:pPr>
-            <a:r>
-              <a:rPr lang="en-US" sz="2000" dirty="0"/>
-              <a:t> </a:t>
-            </a:r>
-            <a:r>
-              <a:rPr lang="en-US" sz="2000" dirty="0" smtClean="0"/>
-              <a:t>      Published online 28 October 2012</a:t>
-            </a:r>
+            <a:endParaRPr lang="en-US" sz="2000" dirty="0" smtClean="0">
+              <a:solidFill>
+                <a:srgbClr val="008000"/>
+              </a:solidFill>
+            </a:endParaRPr>
           </a:p>
           <a:p>
             <a:r>
               <a:rPr lang="en-US" sz="3000" dirty="0" err="1" smtClean="0"/>
               <a:t>GEMtools</a:t>
             </a:r>
-            <a:endParaRPr lang="en-US" sz="3000" dirty="0"/>
+            <a:endParaRPr lang="en-US" sz="3000" dirty="0" smtClean="0"/>
           </a:p>
           <a:p>
             <a:pPr marL="0" indent="0">
               <a:buNone/>
             </a:pPr>
             <a:r>
-              <a:rPr lang="en-US" sz="2400" dirty="0">
+              <a:rPr lang="en-US" sz="2400" dirty="0" smtClean="0">
                 <a:solidFill>
                   <a:srgbClr val="558ED5"/>
                 </a:solidFill>
               </a:rPr>
-              <a:t> </a:t>
+              <a:t>      </a:t>
             </a:r>
             <a:r>
               <a:rPr lang="en-US" sz="2400" dirty="0" smtClean="0">
@@ -3959,24 +4093,26 @@
                   <a:srgbClr val="558ED5"/>
                 </a:solidFill>
               </a:rPr>
-              <a:t>     http://</a:t>
-            </a:r>
-            <a:r>
-              <a:rPr lang="en-US" sz="2400" dirty="0" err="1" smtClean="0">
+              <a:t>http://</a:t>
+            </a:r>
+            <a:r>
+              <a:rPr lang="en-US" sz="2400" smtClean="0">
                 <a:solidFill>
                   <a:srgbClr val="558ED5"/>
                 </a:solidFill>
               </a:rPr>
               <a:t>gemtools.github.io</a:t>
             </a:r>
-            <a:r>
-              <a:rPr lang="en-US" sz="2400" dirty="0" smtClean="0">
-                <a:solidFill>
-                  <a:srgbClr val="558ED5"/>
-                </a:solidFill>
-              </a:rPr>
-              <a:t>/</a:t>
-            </a:r>
+            <a:endParaRPr lang="en-US" sz="2400" dirty="0" smtClean="0">
+              <a:solidFill>
+                <a:srgbClr val="558ED5"/>
+              </a:solidFill>
+            </a:endParaRPr>
+          </a:p>
+          <a:p>
+            <a:pPr marL="0" indent="0">
+              <a:buNone/>
+            </a:pPr>
             <a:endParaRPr lang="en-US" sz="2600" dirty="0" smtClean="0">
               <a:solidFill>
                 <a:srgbClr val="558ED5"/>
@@ -3986,8 +4122,13 @@
           <a:p>
             <a:r>
               <a:rPr lang="en-US" sz="3000" dirty="0" smtClean="0"/>
-              <a:t>Flux Capacitor</a:t>
-            </a:r>
+              <a:t>Flux </a:t>
+            </a:r>
+            <a:r>
+              <a:rPr lang="en-US" sz="3000" dirty="0" smtClean="0"/>
+              <a:t>Capacitor</a:t>
+            </a:r>
+            <a:endParaRPr lang="en-US" sz="3000" dirty="0" smtClean="0"/>
           </a:p>
           <a:p>
             <a:pPr marL="0" indent="0">
@@ -4010,10 +4151,10 @@
                   </a:schemeClr>
                 </a:solidFill>
               </a:rPr>
-              <a:t>http://</a:t>
-            </a:r>
-            <a:r>
-              <a:rPr lang="en-US" sz="2400" dirty="0" err="1" smtClean="0">
+              <a:t>http://sammeth.net/confluence/display/FLUX/</a:t>
+            </a:r>
+            <a:r>
+              <a:rPr lang="en-US" sz="2400" dirty="0" smtClean="0">
                 <a:solidFill>
                   <a:schemeClr val="tx2">
                     <a:lumMod val="60000"/>
@@ -4021,25 +4162,32 @@
                   </a:schemeClr>
                 </a:solidFill>
               </a:rPr>
-              <a:t>sammeth.net</a:t>
-            </a:r>
-            <a:r>
-              <a:rPr lang="en-US" sz="2400" dirty="0" smtClean="0">
-                <a:solidFill>
-                  <a:schemeClr val="tx2">
-                    <a:lumMod val="60000"/>
-                    <a:lumOff val="40000"/>
-                  </a:schemeClr>
-                </a:solidFill>
-              </a:rPr>
-              <a:t>/confluence/display/FLUX/Home</a:t>
-            </a:r>
+              <a:t>Home</a:t>
+            </a:r>
+          </a:p>
+          <a:p>
+            <a:pPr marL="0" indent="0">
+              <a:buNone/>
+            </a:pPr>
+            <a:endParaRPr lang="en-US" sz="2400" dirty="0" smtClean="0">
+              <a:solidFill>
+                <a:schemeClr val="tx2">
+                  <a:lumMod val="60000"/>
+                  <a:lumOff val="40000"/>
+                </a:schemeClr>
+              </a:solidFill>
+            </a:endParaRPr>
           </a:p>
           <a:p>
             <a:r>
               <a:rPr lang="en-US" sz="3000" dirty="0" smtClean="0"/>
-              <a:t>IPSA: Integrative pipeline for splicing analyses</a:t>
-            </a:r>
+              <a:t>IPSA: Integrative pipeline for splicing </a:t>
+            </a:r>
+            <a:r>
+              <a:rPr lang="en-US" sz="3000" dirty="0" smtClean="0"/>
+              <a:t>analyses</a:t>
+            </a:r>
+            <a:endParaRPr lang="en-US" sz="3000" dirty="0" smtClean="0"/>
           </a:p>
           <a:p>
             <a:pPr marL="0" indent="0">
@@ -4059,48 +4207,21 @@
                   <a:srgbClr val="558ED5"/>
                 </a:solidFill>
               </a:rPr>
-              <a:t>https://</a:t>
-            </a:r>
-            <a:r>
-              <a:rPr lang="en-US" sz="2400" dirty="0" err="1" smtClean="0">
-                <a:solidFill>
-                  <a:srgbClr val="558ED5"/>
-                </a:solidFill>
-              </a:rPr>
-              <a:t>github.com</a:t>
+              <a:t>https://github.com/pervouchine/</a:t>
             </a:r>
             <a:r>
               <a:rPr lang="en-US" sz="2400" dirty="0" smtClean="0">
-                <a:solidFill>
-                  <a:srgbClr val="558ED5"/>
-                </a:solidFill>
-              </a:rPr>
-              <a:t>/</a:t>
-            </a:r>
-            <a:r>
-              <a:rPr lang="en-US" sz="2400" dirty="0" err="1" smtClean="0">
-                <a:solidFill>
-                  <a:srgbClr val="558ED5"/>
-                </a:solidFill>
-              </a:rPr>
-              <a:t>pervouchine</a:t>
-            </a:r>
-            <a:r>
-              <a:rPr lang="en-US" sz="2400" dirty="0" smtClean="0">
-                <a:solidFill>
-                  <a:srgbClr val="558ED5"/>
-                </a:solidFill>
-              </a:rPr>
-              <a:t>/</a:t>
-            </a:r>
-            <a:r>
-              <a:rPr lang="en-US" sz="2400" dirty="0" err="1" smtClean="0">
                 <a:solidFill>
                   <a:srgbClr val="558ED5"/>
                 </a:solidFill>
               </a:rPr>
               <a:t>ipsa</a:t>
             </a:r>
+          </a:p>
+          <a:p>
+            <a:pPr marL="0" indent="0">
+              <a:buNone/>
+            </a:pPr>
             <a:endParaRPr lang="en-US" sz="2400" dirty="0" smtClean="0">
               <a:solidFill>
                 <a:srgbClr val="558ED5"/>
@@ -4179,7 +4300,7 @@
             <a:r>
               <a:rPr lang="en-US" sz="4000" dirty="0" smtClean="0">
                 <a:solidFill>
-                  <a:srgbClr val="000000"/>
+                  <a:srgbClr val="4F81BD"/>
                 </a:solidFill>
               </a:rPr>
               <a:t>2.0</a:t>
@@ -4217,22 +4338,36 @@
           <a:p>
             <a:r>
               <a:rPr lang="en-US" sz="3000" dirty="0" smtClean="0"/>
-              <a:t>better error management and reporting</a:t>
-            </a:r>
-          </a:p>
-          <a:p>
+              <a:t>error </a:t>
+            </a:r>
             <a:r>
               <a:rPr lang="en-US" sz="3000" dirty="0" smtClean="0"/>
-              <a:t>more flexible workflow</a:t>
-            </a:r>
+              <a:t>management and </a:t>
+            </a:r>
+            <a:r>
+              <a:rPr lang="en-US" sz="3000" dirty="0" smtClean="0"/>
+              <a:t>reporting improvement</a:t>
+            </a:r>
+            <a:endParaRPr lang="en-US" sz="3000" dirty="0" smtClean="0"/>
+          </a:p>
+          <a:p>
             <a:r>
               <a:rPr lang="en-US" sz="3000" dirty="0"/>
-              <a:t> </a:t>
+              <a:t>f</a:t>
             </a:r>
             <a:r>
               <a:rPr lang="en-US" sz="3000" dirty="0" smtClean="0"/>
-              <a:t>and configuration</a:t>
-            </a:r>
+              <a:t>lexible workflow </a:t>
+            </a:r>
+            <a:r>
+              <a:rPr lang="en-US" sz="3000" dirty="0" smtClean="0"/>
+              <a:t>and </a:t>
+            </a:r>
+            <a:r>
+              <a:rPr lang="en-US" sz="3000" dirty="0" smtClean="0"/>
+              <a:t>configuration</a:t>
+            </a:r>
+            <a:endParaRPr lang="en-US" sz="3000" dirty="0" smtClean="0"/>
           </a:p>
           <a:p>
             <a:r>
@@ -4243,13 +4378,8 @@
           <a:p>
             <a:r>
               <a:rPr lang="en-US" sz="3000" dirty="0" smtClean="0"/>
-              <a:t>version control system for data </a:t>
-            </a:r>
-            <a:r>
-              <a:rPr lang="en-US" sz="3000" smtClean="0"/>
-              <a:t>and runs</a:t>
-            </a:r>
-            <a:endParaRPr lang="en-US" sz="3000" dirty="0" smtClean="0"/>
+              <a:t>version control system for data and runs</a:t>
+            </a:r>
           </a:p>
           <a:p>
             <a:r>
@@ -4267,197 +4397,6 @@
     <p:extLst>
       <p:ext uri="{BB962C8B-B14F-4D97-AF65-F5344CB8AC3E}">
         <p14:creationId xmlns:p14="http://schemas.microsoft.com/office/powerpoint/2010/main" val="3348167912"/>
-      </p:ext>
-    </p:extLst>
-  </p:cSld>
-  <p:clrMapOvr>
-    <a:masterClrMapping/>
-  </p:clrMapOvr>
-  <p:timing>
-    <p:tnLst>
-      <p:par>
-        <p:cTn xmlns:p14="http://schemas.microsoft.com/office/powerpoint/2010/main" id="1" dur="indefinite" restart="never" nodeType="tmRoot"/>
-      </p:par>
-    </p:tnLst>
-  </p:timing>
-</p:sld>
-</file>
-
-<file path=ppt/slides/slide7.xml><?xml version="1.0" encoding="utf-8"?>
-<p:sld xmlns:a="http://schemas.openxmlformats.org/drawingml/2006/main" xmlns:r="http://schemas.openxmlformats.org/officeDocument/2006/relationships" xmlns:p="http://schemas.openxmlformats.org/presentationml/2006/main">
-  <p:cSld>
-    <p:spTree>
-      <p:nvGrpSpPr>
-        <p:cNvPr id="1" name=""/>
-        <p:cNvGrpSpPr/>
-        <p:nvPr/>
-      </p:nvGrpSpPr>
-      <p:grpSpPr>
-        <a:xfrm>
-          <a:off x="0" y="0"/>
-          <a:ext cx="0" cy="0"/>
-          <a:chOff x="0" y="0"/>
-          <a:chExt cx="0" cy="0"/>
-        </a:xfrm>
-      </p:grpSpPr>
-      <p:sp>
-        <p:nvSpPr>
-          <p:cNvPr id="4" name="Title 3"/>
-          <p:cNvSpPr>
-            <a:spLocks noGrp="1"/>
-          </p:cNvSpPr>
-          <p:nvPr>
-            <p:ph type="title"/>
-          </p:nvPr>
-        </p:nvSpPr>
-        <p:spPr>
-          <a:xfrm>
-            <a:off x="471600" y="274638"/>
-            <a:ext cx="8229600" cy="1143000"/>
-          </a:xfrm>
-        </p:spPr>
-        <p:txBody>
-          <a:bodyPr>
-            <a:noAutofit/>
-          </a:bodyPr>
-          <a:lstStyle/>
-          <a:p>
-            <a:r>
-              <a:rPr lang="en-US" sz="4000" dirty="0" smtClean="0">
-                <a:solidFill>
-                  <a:srgbClr val="558ED5"/>
-                </a:solidFill>
-              </a:rPr>
-              <a:t>GRAPE</a:t>
-            </a:r>
-            <a:r>
-              <a:rPr lang="en-US" sz="4000" dirty="0" smtClean="0"/>
-              <a:t>: Links</a:t>
-            </a:r>
-            <a:endParaRPr lang="en-US" sz="4000" dirty="0"/>
-          </a:p>
-        </p:txBody>
-      </p:sp>
-      <p:sp>
-        <p:nvSpPr>
-          <p:cNvPr id="2" name="Content Placeholder 1"/>
-          <p:cNvSpPr>
-            <a:spLocks noGrp="1"/>
-          </p:cNvSpPr>
-          <p:nvPr>
-            <p:ph idx="1"/>
-          </p:nvPr>
-        </p:nvSpPr>
-        <p:spPr/>
-        <p:txBody>
-          <a:bodyPr>
-            <a:normAutofit/>
-          </a:bodyPr>
-          <a:lstStyle/>
-          <a:p>
-            <a:pPr marL="0" indent="0">
-              <a:buNone/>
-            </a:pPr>
-            <a:endParaRPr lang="en-US" sz="3000" dirty="0" smtClean="0"/>
-          </a:p>
-          <a:p>
-            <a:pPr marL="0" indent="0">
-              <a:buNone/>
-            </a:pPr>
-            <a:r>
-              <a:rPr lang="en-US" sz="3000" smtClean="0"/>
-              <a:t>GRAPE </a:t>
-            </a:r>
-            <a:r>
-              <a:rPr lang="en-US" sz="3000" dirty="0" smtClean="0"/>
-              <a:t>page @CRG:</a:t>
-            </a:r>
-          </a:p>
-          <a:p>
-            <a:pPr marL="0" indent="0">
-              <a:buNone/>
-            </a:pPr>
-            <a:r>
-              <a:rPr lang="en-US" sz="3000" dirty="0" smtClean="0">
-                <a:solidFill>
-                  <a:srgbClr val="4F81BD"/>
-                </a:solidFill>
-              </a:rPr>
-              <a:t>	http</a:t>
-            </a:r>
-            <a:r>
-              <a:rPr lang="en-US" sz="3000" dirty="0">
-                <a:solidFill>
-                  <a:srgbClr val="4F81BD"/>
-                </a:solidFill>
-              </a:rPr>
-              <a:t>://big.crg.cat/services/</a:t>
-            </a:r>
-            <a:r>
-              <a:rPr lang="en-US" sz="3000" dirty="0" smtClean="0">
-                <a:solidFill>
-                  <a:srgbClr val="4F81BD"/>
-                </a:solidFill>
-              </a:rPr>
-              <a:t>grape</a:t>
-            </a:r>
-          </a:p>
-          <a:p>
-            <a:pPr marL="0" indent="0">
-              <a:buNone/>
-            </a:pPr>
-            <a:endParaRPr lang="en-US" sz="3000" dirty="0" smtClean="0">
-              <a:solidFill>
-                <a:srgbClr val="4F81BD"/>
-              </a:solidFill>
-            </a:endParaRPr>
-          </a:p>
-          <a:p>
-            <a:pPr marL="0" indent="0">
-              <a:buNone/>
-            </a:pPr>
-            <a:r>
-              <a:rPr lang="en-US" sz="3000" dirty="0" smtClean="0"/>
-              <a:t>GRAPE 2.0 page on </a:t>
-            </a:r>
-            <a:r>
-              <a:rPr lang="en-US" sz="3000" dirty="0" err="1" smtClean="0"/>
-              <a:t>GitHub</a:t>
-            </a:r>
-            <a:r>
-              <a:rPr lang="en-US" sz="3000" dirty="0" smtClean="0"/>
-              <a:t>:</a:t>
-            </a:r>
-          </a:p>
-          <a:p>
-            <a:pPr marL="0" indent="0">
-              <a:buNone/>
-            </a:pPr>
-            <a:r>
-              <a:rPr lang="en-US" sz="3000" dirty="0" smtClean="0">
-                <a:solidFill>
-                  <a:schemeClr val="accent1"/>
-                </a:solidFill>
-              </a:rPr>
-              <a:t>	http://github.com/grape-pipeline/grape</a:t>
-            </a:r>
-          </a:p>
-          <a:p>
-            <a:pPr marL="0" indent="0">
-              <a:buNone/>
-            </a:pPr>
-            <a:endParaRPr lang="en-US" sz="2400" dirty="0" smtClean="0">
-              <a:solidFill>
-                <a:srgbClr val="000000"/>
-              </a:solidFill>
-            </a:endParaRPr>
-          </a:p>
-        </p:txBody>
-      </p:sp>
-    </p:spTree>
-    <p:extLst>
-      <p:ext uri="{BB962C8B-B14F-4D97-AF65-F5344CB8AC3E}">
-        <p14:creationId xmlns:p14="http://schemas.microsoft.com/office/powerpoint/2010/main" val="2917133219"/>
       </p:ext>
     </p:extLst>
   </p:cSld>
